--- a/Part3_Presentation.pptx
+++ b/Part3_Presentation.pptx
@@ -4952,7 +4952,19 @@
           <a:p>
             <a:r>
               <a:rPr lang="en-US" sz="1800" dirty="0" smtClean="0"/>
-              <a:t>Our vision is the create the most user-friendly UAS (drone) package delivery management and tracking system for our clients and the general public (users).</a:t>
+              <a:t>Our vision </a:t>
+            </a:r>
+            <a:r>
+              <a:rPr lang="en-US" sz="1800" smtClean="0"/>
+              <a:t>is </a:t>
+            </a:r>
+            <a:r>
+              <a:rPr lang="en-US" sz="1800" smtClean="0"/>
+              <a:t>to </a:t>
+            </a:r>
+            <a:r>
+              <a:rPr lang="en-US" sz="1800" dirty="0" smtClean="0"/>
+              <a:t>create the most user-friendly UAS (drone) package delivery management and tracking system for our clients and the general public (users).</a:t>
             </a:r>
           </a:p>
           <a:p>
